--- a/Final Project ppt template.pptx
+++ b/Final Project ppt template.pptx
@@ -10041,19 +10041,21 @@
         <p:spPr>
           <a:xfrm>
             <a:off x="4776956" y="3258749"/>
-            <a:ext cx="3400089" cy="861497"/>
+            <a:ext cx="4376772" cy="861497"/>
           </a:xfrm>
         </p:spPr>
         <p:txBody>
-          <a:bodyPr/>
+          <a:bodyPr>
+            <a:normAutofit/>
+          </a:bodyPr>
           <a:lstStyle/>
           <a:p>
             <a:pPr algn="r"/>
             <a:r>
-              <a:rPr lang="en-IN" dirty="0"/>
+              <a:rPr lang="en-IN" sz="2800" dirty="0"/>
               <a:t>Arun Kumar Singh</a:t>
             </a:r>
-            <a:endParaRPr lang="en-IN" b="0" dirty="0">
+            <a:endParaRPr lang="en-IN" sz="2800" b="0" dirty="0">
               <a:solidFill>
                 <a:schemeClr val="tx1"/>
               </a:solidFill>
@@ -12573,6 +12575,41 @@
       </p:grpSpPr>
       <p:sp>
         <p:nvSpPr>
+          <p:cNvPr id="4" name="Title 3">
+            <a:extLst>
+              <a:ext uri="{FF2B5EF4-FFF2-40B4-BE49-F238E27FC236}">
+                <a16:creationId xmlns:a16="http://schemas.microsoft.com/office/drawing/2014/main" id="{8F3B1360-B974-7BFF-337A-F6663EBAA0B3}"/>
+              </a:ext>
+            </a:extLst>
+          </p:cNvPr>
+          <p:cNvSpPr>
+            <a:spLocks noGrp="1"/>
+          </p:cNvSpPr>
+          <p:nvPr>
+            <p:ph type="title"/>
+          </p:nvPr>
+        </p:nvSpPr>
+        <p:spPr>
+          <a:xfrm>
+            <a:off x="77821" y="3063779"/>
+            <a:ext cx="10340502" cy="1327826"/>
+          </a:xfrm>
+        </p:spPr>
+        <p:txBody>
+          <a:bodyPr>
+            <a:normAutofit/>
+          </a:bodyPr>
+          <a:lstStyle/>
+          <a:p>
+            <a:r>
+              <a:rPr lang="en-IN" sz="3200" dirty="0"/>
+              <a:t>https://github.com/arun96singh/AI_NIDS_Project-.git</a:t>
+            </a:r>
+          </a:p>
+        </p:txBody>
+      </p:sp>
+      <p:sp>
+        <p:nvSpPr>
           <p:cNvPr id="2" name="Slide Number Placeholder 1"/>
           <p:cNvSpPr>
             <a:spLocks noGrp="1"/>
@@ -14272,17 +14309,28 @@
         </p:nvSpPr>
         <p:spPr>
           <a:xfrm>
-            <a:off x="2975013" y="3962573"/>
-            <a:ext cx="2139696" cy="344312"/>
+            <a:off x="5320474" y="3696045"/>
+            <a:ext cx="4311004" cy="833163"/>
           </a:xfrm>
         </p:spPr>
         <p:txBody>
           <a:bodyPr>
-            <a:normAutofit fontScale="92500" lnSpcReduction="20000"/>
+            <a:normAutofit/>
           </a:bodyPr>
           <a:lstStyle/>
           <a:p>
-            <a:endParaRPr lang="en-IN" dirty="0"/>
+            <a:r>
+              <a:rPr lang="en-IN" sz="3600" dirty="0"/>
+              <a:t>Arun Kumar Singh</a:t>
+            </a:r>
+            <a:endParaRPr lang="en-IN" sz="3600" b="0" dirty="0">
+              <a:solidFill>
+                <a:schemeClr val="tx1"/>
+              </a:solidFill>
+            </a:endParaRPr>
+          </a:p>
+          <a:p>
+            <a:endParaRPr lang="en-IN" sz="3600" dirty="0"/>
           </a:p>
         </p:txBody>
       </p:sp>
